--- a/Docs/Flow diagram.pptx
+++ b/Docs/Flow diagram.pptx
@@ -104,6 +104,11 @@
       </a:defRPr>
     </a:lvl9pPr>
   </p:defaultTextStyle>
+  <p:extLst>
+    <p:ext uri="{EFAFB233-063F-42B5-8137-9DF3F51BA10A}">
+      <p15:sldGuideLst xmlns:p15="http://schemas.microsoft.com/office/powerpoint/2012/main"/>
+    </p:ext>
+  </p:extLst>
 </p:presentation>
 </file>
 
@@ -256,7 +261,7 @@
           <a:p>
             <a:fld id="{73AA8F5B-4914-46BB-8BAF-CFF6E4B4C1BE}" type="datetimeFigureOut">
               <a:rPr lang="en-GB" smtClean="0"/>
-              <a:t>02/11/2019</a:t>
+              <a:t>04/11/2019</a:t>
             </a:fld>
             <a:endParaRPr lang="en-GB"/>
           </a:p>
@@ -456,7 +461,7 @@
           <a:p>
             <a:fld id="{73AA8F5B-4914-46BB-8BAF-CFF6E4B4C1BE}" type="datetimeFigureOut">
               <a:rPr lang="en-GB" smtClean="0"/>
-              <a:t>02/11/2019</a:t>
+              <a:t>04/11/2019</a:t>
             </a:fld>
             <a:endParaRPr lang="en-GB"/>
           </a:p>
@@ -666,7 +671,7 @@
           <a:p>
             <a:fld id="{73AA8F5B-4914-46BB-8BAF-CFF6E4B4C1BE}" type="datetimeFigureOut">
               <a:rPr lang="en-GB" smtClean="0"/>
-              <a:t>02/11/2019</a:t>
+              <a:t>04/11/2019</a:t>
             </a:fld>
             <a:endParaRPr lang="en-GB"/>
           </a:p>
@@ -866,7 +871,7 @@
           <a:p>
             <a:fld id="{73AA8F5B-4914-46BB-8BAF-CFF6E4B4C1BE}" type="datetimeFigureOut">
               <a:rPr lang="en-GB" smtClean="0"/>
-              <a:t>02/11/2019</a:t>
+              <a:t>04/11/2019</a:t>
             </a:fld>
             <a:endParaRPr lang="en-GB"/>
           </a:p>
@@ -1142,7 +1147,7 @@
           <a:p>
             <a:fld id="{73AA8F5B-4914-46BB-8BAF-CFF6E4B4C1BE}" type="datetimeFigureOut">
               <a:rPr lang="en-GB" smtClean="0"/>
-              <a:t>02/11/2019</a:t>
+              <a:t>04/11/2019</a:t>
             </a:fld>
             <a:endParaRPr lang="en-GB"/>
           </a:p>
@@ -1410,7 +1415,7 @@
           <a:p>
             <a:fld id="{73AA8F5B-4914-46BB-8BAF-CFF6E4B4C1BE}" type="datetimeFigureOut">
               <a:rPr lang="en-GB" smtClean="0"/>
-              <a:t>02/11/2019</a:t>
+              <a:t>04/11/2019</a:t>
             </a:fld>
             <a:endParaRPr lang="en-GB"/>
           </a:p>
@@ -1825,7 +1830,7 @@
           <a:p>
             <a:fld id="{73AA8F5B-4914-46BB-8BAF-CFF6E4B4C1BE}" type="datetimeFigureOut">
               <a:rPr lang="en-GB" smtClean="0"/>
-              <a:t>02/11/2019</a:t>
+              <a:t>04/11/2019</a:t>
             </a:fld>
             <a:endParaRPr lang="en-GB"/>
           </a:p>
@@ -1967,7 +1972,7 @@
           <a:p>
             <a:fld id="{73AA8F5B-4914-46BB-8BAF-CFF6E4B4C1BE}" type="datetimeFigureOut">
               <a:rPr lang="en-GB" smtClean="0"/>
-              <a:t>02/11/2019</a:t>
+              <a:t>04/11/2019</a:t>
             </a:fld>
             <a:endParaRPr lang="en-GB"/>
           </a:p>
@@ -2080,7 +2085,7 @@
           <a:p>
             <a:fld id="{73AA8F5B-4914-46BB-8BAF-CFF6E4B4C1BE}" type="datetimeFigureOut">
               <a:rPr lang="en-GB" smtClean="0"/>
-              <a:t>02/11/2019</a:t>
+              <a:t>04/11/2019</a:t>
             </a:fld>
             <a:endParaRPr lang="en-GB"/>
           </a:p>
@@ -2393,7 +2398,7 @@
           <a:p>
             <a:fld id="{73AA8F5B-4914-46BB-8BAF-CFF6E4B4C1BE}" type="datetimeFigureOut">
               <a:rPr lang="en-GB" smtClean="0"/>
-              <a:t>02/11/2019</a:t>
+              <a:t>04/11/2019</a:t>
             </a:fld>
             <a:endParaRPr lang="en-GB"/>
           </a:p>
@@ -2682,7 +2687,7 @@
           <a:p>
             <a:fld id="{73AA8F5B-4914-46BB-8BAF-CFF6E4B4C1BE}" type="datetimeFigureOut">
               <a:rPr lang="en-GB" smtClean="0"/>
-              <a:t>02/11/2019</a:t>
+              <a:t>04/11/2019</a:t>
             </a:fld>
             <a:endParaRPr lang="en-GB"/>
           </a:p>
@@ -2925,7 +2930,7 @@
           <a:p>
             <a:fld id="{73AA8F5B-4914-46BB-8BAF-CFF6E4B4C1BE}" type="datetimeFigureOut">
               <a:rPr lang="en-GB" smtClean="0"/>
-              <a:t>02/11/2019</a:t>
+              <a:t>04/11/2019</a:t>
             </a:fld>
             <a:endParaRPr lang="en-GB"/>
           </a:p>
@@ -3639,7 +3644,7 @@
         </p:nvSpPr>
         <p:spPr>
           <a:xfrm>
-            <a:off x="2268784" y="257569"/>
+            <a:off x="1517566" y="276398"/>
             <a:ext cx="1906734" cy="261610"/>
           </a:xfrm>
           <a:prstGeom prst="rect">
@@ -3675,7 +3680,7 @@
         </p:nvSpPr>
         <p:spPr>
           <a:xfrm>
-            <a:off x="1564545" y="1454204"/>
+            <a:off x="813327" y="1473033"/>
             <a:ext cx="3240504" cy="261610"/>
           </a:xfrm>
           <a:prstGeom prst="rect">
@@ -3711,7 +3716,7 @@
         </p:nvSpPr>
         <p:spPr>
           <a:xfrm>
-            <a:off x="4268255" y="534393"/>
+            <a:off x="2992342" y="612903"/>
             <a:ext cx="1284850" cy="261610"/>
           </a:xfrm>
           <a:prstGeom prst="rect">
@@ -3747,7 +3752,7 @@
         </p:nvSpPr>
         <p:spPr>
           <a:xfrm>
-            <a:off x="4630686" y="1445635"/>
+            <a:off x="3879468" y="1464464"/>
             <a:ext cx="1774152" cy="253916"/>
           </a:xfrm>
           <a:prstGeom prst="rect">
@@ -3783,7 +3788,7 @@
         </p:nvSpPr>
         <p:spPr>
           <a:xfrm>
-            <a:off x="10712333" y="456378"/>
+            <a:off x="10943899" y="161963"/>
             <a:ext cx="1284850" cy="261610"/>
           </a:xfrm>
           <a:prstGeom prst="rect">
@@ -3819,7 +3824,7 @@
         </p:nvSpPr>
         <p:spPr>
           <a:xfrm>
-            <a:off x="10440395" y="6399478"/>
+            <a:off x="9689177" y="6418307"/>
             <a:ext cx="994966" cy="261610"/>
           </a:xfrm>
           <a:prstGeom prst="rect">
@@ -3855,8 +3860,8 @@
         </p:nvSpPr>
         <p:spPr>
           <a:xfrm>
-            <a:off x="10019299" y="1769811"/>
-            <a:ext cx="1837158" cy="261610"/>
+            <a:off x="10667745" y="1405010"/>
+            <a:ext cx="1837158" cy="415498"/>
           </a:xfrm>
           <a:prstGeom prst="rect">
             <a:avLst/>
@@ -3872,7 +3877,14 @@
             <a:pPr algn="ctr"/>
             <a:r>
               <a:rPr lang="en-GB" sz="1050" dirty="0"/>
-              <a:t>AIML detects request for exit</a:t>
+              <a:t>AIML detects request</a:t>
+            </a:r>
+          </a:p>
+          <a:p>
+            <a:pPr algn="ctr"/>
+            <a:r>
+              <a:rPr lang="en-GB" sz="1050" dirty="0"/>
+              <a:t> for exit</a:t>
             </a:r>
           </a:p>
         </p:txBody>
@@ -3891,7 +3903,7 @@
         </p:nvSpPr>
         <p:spPr>
           <a:xfrm>
-            <a:off x="6509739" y="509807"/>
+            <a:off x="4746365" y="628914"/>
             <a:ext cx="2402313" cy="261610"/>
           </a:xfrm>
           <a:prstGeom prst="rect">
@@ -3927,7 +3939,7 @@
         </p:nvSpPr>
         <p:spPr>
           <a:xfrm>
-            <a:off x="8396778" y="1511992"/>
+            <a:off x="7031915" y="1635486"/>
             <a:ext cx="2428328" cy="253916"/>
           </a:xfrm>
           <a:prstGeom prst="rect">
@@ -3963,7 +3975,7 @@
         </p:nvSpPr>
         <p:spPr>
           <a:xfrm>
-            <a:off x="5927968" y="5248904"/>
+            <a:off x="5176750" y="5267733"/>
             <a:ext cx="1957137" cy="261610"/>
           </a:xfrm>
           <a:prstGeom prst="rect">
@@ -3999,7 +4011,7 @@
         </p:nvSpPr>
         <p:spPr>
           <a:xfrm>
-            <a:off x="7710895" y="844133"/>
+            <a:off x="6167455" y="199408"/>
             <a:ext cx="1923070" cy="261610"/>
           </a:xfrm>
           <a:prstGeom prst="rect">
@@ -4035,7 +4047,7 @@
         </p:nvSpPr>
         <p:spPr>
           <a:xfrm>
-            <a:off x="4805049" y="2481271"/>
+            <a:off x="4053831" y="2500100"/>
             <a:ext cx="2378235" cy="415498"/>
           </a:xfrm>
           <a:prstGeom prst="rect">
@@ -4078,7 +4090,7 @@
         </p:nvSpPr>
         <p:spPr>
           <a:xfrm>
-            <a:off x="7346445" y="4757705"/>
+            <a:off x="6595227" y="4776534"/>
             <a:ext cx="1106902" cy="261610"/>
           </a:xfrm>
           <a:prstGeom prst="rect">
@@ -4114,7 +4126,7 @@
         </p:nvSpPr>
         <p:spPr>
           <a:xfrm>
-            <a:off x="2155488" y="3350301"/>
+            <a:off x="1404270" y="3369130"/>
             <a:ext cx="1531773" cy="253916"/>
           </a:xfrm>
           <a:prstGeom prst="rect">
@@ -4150,7 +4162,7 @@
         </p:nvSpPr>
         <p:spPr>
           <a:xfrm>
-            <a:off x="4765466" y="3309466"/>
+            <a:off x="4014248" y="3328295"/>
             <a:ext cx="1752606" cy="261610"/>
           </a:xfrm>
           <a:prstGeom prst="rect">
@@ -4186,7 +4198,7 @@
         </p:nvSpPr>
         <p:spPr>
           <a:xfrm>
-            <a:off x="4442882" y="3881855"/>
+            <a:off x="3691664" y="3900684"/>
             <a:ext cx="1594806" cy="253916"/>
           </a:xfrm>
           <a:prstGeom prst="rect">
@@ -4222,7 +4234,7 @@
         </p:nvSpPr>
         <p:spPr>
           <a:xfrm>
-            <a:off x="7924387" y="6392118"/>
+            <a:off x="7173169" y="6410947"/>
             <a:ext cx="593563" cy="261610"/>
           </a:xfrm>
           <a:prstGeom prst="rect">
@@ -4258,7 +4270,7 @@
         </p:nvSpPr>
         <p:spPr>
           <a:xfrm>
-            <a:off x="6182466" y="4051004"/>
+            <a:off x="5431248" y="4069833"/>
             <a:ext cx="1185318" cy="261610"/>
           </a:xfrm>
           <a:prstGeom prst="rect">
@@ -4298,7 +4310,7 @@
         </p:nvCxnSpPr>
         <p:spPr>
           <a:xfrm flipH="1">
-            <a:off x="3184797" y="519179"/>
+            <a:off x="2433579" y="538008"/>
             <a:ext cx="37354" cy="935025"/>
           </a:xfrm>
           <a:prstGeom prst="straightConnector1">
@@ -4346,7 +4358,7 @@
         </p:nvCxnSpPr>
         <p:spPr>
           <a:xfrm>
-            <a:off x="3184797" y="1715814"/>
+            <a:off x="2433579" y="1734643"/>
             <a:ext cx="2809370" cy="765457"/>
           </a:xfrm>
           <a:prstGeom prst="straightConnector1">
@@ -4394,7 +4406,7 @@
         </p:nvCxnSpPr>
         <p:spPr>
           <a:xfrm flipH="1">
-            <a:off x="5641769" y="2896769"/>
+            <a:off x="4890551" y="2915598"/>
             <a:ext cx="352398" cy="412697"/>
           </a:xfrm>
           <a:prstGeom prst="straightConnector1">
@@ -4442,7 +4454,7 @@
         </p:nvCxnSpPr>
         <p:spPr>
           <a:xfrm>
-            <a:off x="5994167" y="2896769"/>
+            <a:off x="5242949" y="2915598"/>
             <a:ext cx="1905729" cy="1860936"/>
           </a:xfrm>
           <a:prstGeom prst="straightConnector1">
@@ -4490,7 +4502,7 @@
         </p:nvCxnSpPr>
         <p:spPr>
           <a:xfrm>
-            <a:off x="5641769" y="3571076"/>
+            <a:off x="4890551" y="3589905"/>
             <a:ext cx="1133356" cy="479928"/>
           </a:xfrm>
           <a:prstGeom prst="straightConnector1">
@@ -4538,7 +4550,7 @@
         </p:nvCxnSpPr>
         <p:spPr>
           <a:xfrm>
-            <a:off x="6775125" y="4312614"/>
+            <a:off x="6023907" y="4331443"/>
             <a:ext cx="1124771" cy="445091"/>
           </a:xfrm>
           <a:prstGeom prst="straightConnector1">
@@ -4586,7 +4598,7 @@
         </p:nvCxnSpPr>
         <p:spPr>
           <a:xfrm>
-            <a:off x="7899896" y="5019315"/>
+            <a:off x="7148678" y="5038144"/>
             <a:ext cx="321273" cy="1372803"/>
           </a:xfrm>
           <a:prstGeom prst="straightConnector1">
@@ -4634,7 +4646,7 @@
         </p:nvCxnSpPr>
         <p:spPr>
           <a:xfrm flipH="1">
-            <a:off x="2921375" y="2896769"/>
+            <a:off x="2170157" y="2915598"/>
             <a:ext cx="3072792" cy="453532"/>
           </a:xfrm>
           <a:prstGeom prst="straightConnector1">
@@ -4682,7 +4694,7 @@
         </p:nvCxnSpPr>
         <p:spPr>
           <a:xfrm flipH="1">
-            <a:off x="5240285" y="3571076"/>
+            <a:off x="4489067" y="3589905"/>
             <a:ext cx="401484" cy="310779"/>
           </a:xfrm>
           <a:prstGeom prst="straightConnector1">
@@ -4730,7 +4742,7 @@
         </p:nvCxnSpPr>
         <p:spPr>
           <a:xfrm>
-            <a:off x="5240285" y="4135771"/>
+            <a:off x="4489067" y="4154600"/>
             <a:ext cx="500621" cy="581714"/>
           </a:xfrm>
           <a:prstGeom prst="straightConnector1">
@@ -4774,7 +4786,7 @@
         </p:nvSpPr>
         <p:spPr>
           <a:xfrm>
-            <a:off x="4928446" y="4717485"/>
+            <a:off x="4177228" y="4736314"/>
             <a:ext cx="1624920" cy="261610"/>
           </a:xfrm>
           <a:prstGeom prst="rect">
@@ -4810,7 +4822,7 @@
         </p:nvSpPr>
         <p:spPr>
           <a:xfrm>
-            <a:off x="3901344" y="5168997"/>
+            <a:off x="3150126" y="5187826"/>
             <a:ext cx="1624920" cy="261610"/>
           </a:xfrm>
           <a:prstGeom prst="rect">
@@ -4850,7 +4862,7 @@
         </p:nvCxnSpPr>
         <p:spPr>
           <a:xfrm>
-            <a:off x="2921375" y="3604217"/>
+            <a:off x="2170157" y="3623046"/>
             <a:ext cx="2819531" cy="1113268"/>
           </a:xfrm>
           <a:prstGeom prst="straightConnector1">
@@ -4898,7 +4910,7 @@
         </p:nvCxnSpPr>
         <p:spPr>
           <a:xfrm>
-            <a:off x="5740906" y="4979095"/>
+            <a:off x="4989688" y="4997924"/>
             <a:ext cx="1165631" cy="269809"/>
           </a:xfrm>
           <a:prstGeom prst="straightConnector1">
@@ -4946,7 +4958,7 @@
         </p:nvCxnSpPr>
         <p:spPr>
           <a:xfrm flipH="1">
-            <a:off x="4713804" y="4979095"/>
+            <a:off x="3962586" y="4997924"/>
             <a:ext cx="1027102" cy="189902"/>
           </a:xfrm>
           <a:prstGeom prst="straightConnector1">
@@ -4994,7 +5006,7 @@
         </p:nvCxnSpPr>
         <p:spPr>
           <a:xfrm>
-            <a:off x="4713804" y="5430607"/>
+            <a:off x="3962586" y="5449436"/>
             <a:ext cx="3210583" cy="1092316"/>
           </a:xfrm>
           <a:prstGeom prst="straightConnector1">
@@ -5042,8 +5054,8 @@
         </p:nvCxnSpPr>
         <p:spPr>
           <a:xfrm flipH="1">
-            <a:off x="5994167" y="771417"/>
-            <a:ext cx="1716729" cy="1709854"/>
+            <a:off x="5242949" y="890524"/>
+            <a:ext cx="704573" cy="1609576"/>
           </a:xfrm>
           <a:prstGeom prst="straightConnector1">
             <a:avLst/>
@@ -5090,8 +5102,8 @@
         </p:nvCxnSpPr>
         <p:spPr>
           <a:xfrm flipH="1">
-            <a:off x="6906537" y="1105743"/>
-            <a:ext cx="1765893" cy="4143161"/>
+            <a:off x="6155319" y="461018"/>
+            <a:ext cx="973671" cy="4806715"/>
           </a:xfrm>
           <a:prstGeom prst="straightConnector1">
             <a:avLst/>
@@ -5137,9 +5149,9 @@
           <p:nvPr/>
         </p:nvCxnSpPr>
         <p:spPr>
-          <a:xfrm flipH="1">
-            <a:off x="10937878" y="717988"/>
-            <a:ext cx="416880" cy="1051823"/>
+          <a:xfrm>
+            <a:off x="11586324" y="423573"/>
+            <a:ext cx="0" cy="981437"/>
           </a:xfrm>
           <a:prstGeom prst="straightConnector1">
             <a:avLst/>
@@ -5185,9 +5197,9 @@
           <p:nvPr/>
         </p:nvCxnSpPr>
         <p:spPr>
-          <a:xfrm>
-            <a:off x="10937878" y="2031421"/>
-            <a:ext cx="0" cy="4368057"/>
+          <a:xfrm flipH="1">
+            <a:off x="10186660" y="1820508"/>
+            <a:ext cx="1399664" cy="4597799"/>
           </a:xfrm>
           <a:prstGeom prst="straightConnector1">
             <a:avLst/>
@@ -5230,7 +5242,7 @@
         </p:nvSpPr>
         <p:spPr>
           <a:xfrm>
-            <a:off x="9137597" y="311339"/>
+            <a:off x="7098039" y="734293"/>
             <a:ext cx="1957137" cy="261610"/>
           </a:xfrm>
           <a:prstGeom prst="rect">
@@ -5270,8 +5282,8 @@
         </p:nvCxnSpPr>
         <p:spPr>
           <a:xfrm>
-            <a:off x="4910680" y="796003"/>
-            <a:ext cx="607082" cy="649632"/>
+            <a:off x="3634767" y="874513"/>
+            <a:ext cx="1131777" cy="589951"/>
           </a:xfrm>
           <a:prstGeom prst="straightConnector1">
             <a:avLst/>
@@ -5317,9 +5329,9 @@
           <p:nvPr/>
         </p:nvCxnSpPr>
         <p:spPr>
-          <a:xfrm flipH="1">
-            <a:off x="9610942" y="572949"/>
-            <a:ext cx="505224" cy="939043"/>
+          <a:xfrm>
+            <a:off x="8076608" y="995903"/>
+            <a:ext cx="169471" cy="639583"/>
           </a:xfrm>
           <a:prstGeom prst="straightConnector1">
             <a:avLst/>
@@ -5366,7 +5378,7 @@
         </p:nvCxnSpPr>
         <p:spPr>
           <a:xfrm>
-            <a:off x="6906537" y="5510514"/>
+            <a:off x="6155319" y="5529343"/>
             <a:ext cx="1314632" cy="881604"/>
           </a:xfrm>
           <a:prstGeom prst="straightConnector1">
@@ -5414,7 +5426,7 @@
         </p:nvCxnSpPr>
         <p:spPr>
           <a:xfrm>
-            <a:off x="5517762" y="1699551"/>
+            <a:off x="4766544" y="1718380"/>
             <a:ext cx="476405" cy="781720"/>
           </a:xfrm>
           <a:prstGeom prst="straightConnector1">
@@ -5458,7 +5470,7 @@
         </p:nvSpPr>
         <p:spPr>
           <a:xfrm>
-            <a:off x="5641769" y="275717"/>
+            <a:off x="3998876" y="261238"/>
             <a:ext cx="1284850" cy="261610"/>
           </a:xfrm>
           <a:prstGeom prst="rect">
@@ -5497,9 +5509,9 @@
           <p:nvPr/>
         </p:nvCxnSpPr>
         <p:spPr>
-          <a:xfrm flipH="1">
-            <a:off x="5517762" y="537327"/>
-            <a:ext cx="766432" cy="908308"/>
+          <a:xfrm>
+            <a:off x="4641301" y="522848"/>
+            <a:ext cx="125243" cy="941616"/>
           </a:xfrm>
           <a:prstGeom prst="straightConnector1">
             <a:avLst/>
@@ -5546,8 +5558,8 @@
         </p:nvCxnSpPr>
         <p:spPr>
           <a:xfrm flipH="1">
-            <a:off x="8221169" y="1765908"/>
-            <a:ext cx="1389773" cy="4626210"/>
+            <a:off x="7469951" y="1889402"/>
+            <a:ext cx="776128" cy="4521545"/>
           </a:xfrm>
           <a:prstGeom prst="straightConnector1">
             <a:avLst/>
@@ -5751,6 +5763,630 @@
           </a:p>
         </p:txBody>
       </p:sp>
+      <p:sp>
+        <p:nvSpPr>
+          <p:cNvPr id="64" name="TextBox 63">
+            <a:extLst>
+              <a:ext uri="{FF2B5EF4-FFF2-40B4-BE49-F238E27FC236}">
+                <a16:creationId xmlns:a16="http://schemas.microsoft.com/office/drawing/2014/main" id="{C43C899B-93AE-46A3-9DBD-10A6C1CAA702}"/>
+              </a:ext>
+            </a:extLst>
+          </p:cNvPr>
+          <p:cNvSpPr txBox="1"/>
+          <p:nvPr/>
+        </p:nvSpPr>
+        <p:spPr>
+          <a:xfrm>
+            <a:off x="8076607" y="98071"/>
+            <a:ext cx="1957137" cy="415498"/>
+          </a:xfrm>
+          <a:prstGeom prst="rect">
+            <a:avLst/>
+          </a:prstGeom>
+          <a:noFill/>
+        </p:spPr>
+        <p:txBody>
+          <a:bodyPr wrap="square" rtlCol="0">
+            <a:spAutoFit/>
+          </a:bodyPr>
+          <a:lstStyle/>
+          <a:p>
+            <a:pPr algn="ctr"/>
+            <a:r>
+              <a:rPr lang="en-GB" sz="1050" dirty="0"/>
+              <a:t>User asks a pure or cross breed question</a:t>
+            </a:r>
+          </a:p>
+        </p:txBody>
+      </p:sp>
+      <p:sp>
+        <p:nvSpPr>
+          <p:cNvPr id="65" name="TextBox 64">
+            <a:extLst>
+              <a:ext uri="{FF2B5EF4-FFF2-40B4-BE49-F238E27FC236}">
+                <a16:creationId xmlns:a16="http://schemas.microsoft.com/office/drawing/2014/main" id="{A206F8A3-4759-4EF8-A243-984BE4EA9BC7}"/>
+              </a:ext>
+            </a:extLst>
+          </p:cNvPr>
+          <p:cNvSpPr txBox="1"/>
+          <p:nvPr/>
+        </p:nvSpPr>
+        <p:spPr>
+          <a:xfrm>
+            <a:off x="7978839" y="3452107"/>
+            <a:ext cx="1580561" cy="253916"/>
+          </a:xfrm>
+          <a:prstGeom prst="rect">
+            <a:avLst/>
+          </a:prstGeom>
+          <a:noFill/>
+        </p:spPr>
+        <p:txBody>
+          <a:bodyPr wrap="square" rtlCol="0">
+            <a:spAutoFit/>
+          </a:bodyPr>
+          <a:lstStyle/>
+          <a:p>
+            <a:pPr algn="ctr"/>
+            <a:r>
+              <a:rPr lang="en-GB" sz="1050" dirty="0"/>
+              <a:t>Dog information checked </a:t>
+            </a:r>
+          </a:p>
+        </p:txBody>
+      </p:sp>
+      <p:sp>
+        <p:nvSpPr>
+          <p:cNvPr id="69" name="TextBox 68">
+            <a:extLst>
+              <a:ext uri="{FF2B5EF4-FFF2-40B4-BE49-F238E27FC236}">
+                <a16:creationId xmlns:a16="http://schemas.microsoft.com/office/drawing/2014/main" id="{0E6ED24D-C7C5-42F9-BE6C-6C2F7161483F}"/>
+              </a:ext>
+            </a:extLst>
+          </p:cNvPr>
+          <p:cNvSpPr txBox="1"/>
+          <p:nvPr/>
+        </p:nvSpPr>
+        <p:spPr>
+          <a:xfrm>
+            <a:off x="8706447" y="6087876"/>
+            <a:ext cx="593563" cy="261610"/>
+          </a:xfrm>
+          <a:prstGeom prst="rect">
+            <a:avLst/>
+          </a:prstGeom>
+          <a:noFill/>
+        </p:spPr>
+        <p:txBody>
+          <a:bodyPr wrap="square" rtlCol="0">
+            <a:spAutoFit/>
+          </a:bodyPr>
+          <a:lstStyle/>
+          <a:p>
+            <a:pPr algn="ctr"/>
+            <a:r>
+              <a:rPr lang="en-GB" sz="1050" dirty="0"/>
+              <a:t>Output</a:t>
+            </a:r>
+          </a:p>
+        </p:txBody>
+      </p:sp>
+      <p:cxnSp>
+        <p:nvCxnSpPr>
+          <p:cNvPr id="70" name="Straight Arrow Connector 69">
+            <a:extLst>
+              <a:ext uri="{FF2B5EF4-FFF2-40B4-BE49-F238E27FC236}">
+                <a16:creationId xmlns:a16="http://schemas.microsoft.com/office/drawing/2014/main" id="{589AE4C8-73A9-4C2E-ACFA-E5A5F8FE2885}"/>
+              </a:ext>
+            </a:extLst>
+          </p:cNvPr>
+          <p:cNvCxnSpPr>
+            <a:cxnSpLocks/>
+            <a:stCxn id="65" idx="2"/>
+            <a:endCxn id="69" idx="0"/>
+          </p:cNvCxnSpPr>
+          <p:nvPr/>
+        </p:nvCxnSpPr>
+        <p:spPr>
+          <a:xfrm>
+            <a:off x="8769120" y="3706023"/>
+            <a:ext cx="234109" cy="2381853"/>
+          </a:xfrm>
+          <a:prstGeom prst="straightConnector1">
+            <a:avLst/>
+          </a:prstGeom>
+          <a:ln>
+            <a:solidFill>
+              <a:schemeClr val="accent3">
+                <a:lumMod val="50000"/>
+              </a:schemeClr>
+            </a:solidFill>
+            <a:tailEnd type="triangle"/>
+          </a:ln>
+        </p:spPr>
+        <p:style>
+          <a:lnRef idx="3">
+            <a:schemeClr val="accent1"/>
+          </a:lnRef>
+          <a:fillRef idx="0">
+            <a:schemeClr val="accent1"/>
+          </a:fillRef>
+          <a:effectRef idx="2">
+            <a:schemeClr val="accent1"/>
+          </a:effectRef>
+          <a:fontRef idx="minor">
+            <a:schemeClr val="tx1"/>
+          </a:fontRef>
+        </p:style>
+      </p:cxnSp>
+      <p:cxnSp>
+        <p:nvCxnSpPr>
+          <p:cNvPr id="73" name="Straight Arrow Connector 72">
+            <a:extLst>
+              <a:ext uri="{FF2B5EF4-FFF2-40B4-BE49-F238E27FC236}">
+                <a16:creationId xmlns:a16="http://schemas.microsoft.com/office/drawing/2014/main" id="{2B1F75D5-EE5B-4C35-BF55-078D168D14D7}"/>
+              </a:ext>
+            </a:extLst>
+          </p:cNvPr>
+          <p:cNvCxnSpPr>
+            <a:cxnSpLocks/>
+            <a:stCxn id="64" idx="2"/>
+            <a:endCxn id="82" idx="0"/>
+          </p:cNvCxnSpPr>
+          <p:nvPr/>
+        </p:nvCxnSpPr>
+        <p:spPr>
+          <a:xfrm>
+            <a:off x="9055176" y="513569"/>
+            <a:ext cx="109971" cy="1917190"/>
+          </a:xfrm>
+          <a:prstGeom prst="straightConnector1">
+            <a:avLst/>
+          </a:prstGeom>
+          <a:ln>
+            <a:solidFill>
+              <a:schemeClr val="accent3">
+                <a:lumMod val="50000"/>
+              </a:schemeClr>
+            </a:solidFill>
+            <a:tailEnd type="triangle"/>
+          </a:ln>
+        </p:spPr>
+        <p:style>
+          <a:lnRef idx="3">
+            <a:schemeClr val="accent1"/>
+          </a:lnRef>
+          <a:fillRef idx="0">
+            <a:schemeClr val="accent1"/>
+          </a:fillRef>
+          <a:effectRef idx="2">
+            <a:schemeClr val="accent1"/>
+          </a:effectRef>
+          <a:fontRef idx="minor">
+            <a:schemeClr val="tx1"/>
+          </a:fontRef>
+        </p:style>
+      </p:cxnSp>
+      <p:sp>
+        <p:nvSpPr>
+          <p:cNvPr id="79" name="TextBox 78">
+            <a:extLst>
+              <a:ext uri="{FF2B5EF4-FFF2-40B4-BE49-F238E27FC236}">
+                <a16:creationId xmlns:a16="http://schemas.microsoft.com/office/drawing/2014/main" id="{8EB4E3B0-651D-4761-9B77-0FE8D2C71881}"/>
+              </a:ext>
+            </a:extLst>
+          </p:cNvPr>
+          <p:cNvSpPr txBox="1"/>
+          <p:nvPr/>
+        </p:nvSpPr>
+        <p:spPr>
+          <a:xfrm>
+            <a:off x="9280030" y="468355"/>
+            <a:ext cx="1957137" cy="415498"/>
+          </a:xfrm>
+          <a:prstGeom prst="rect">
+            <a:avLst/>
+          </a:prstGeom>
+          <a:noFill/>
+        </p:spPr>
+        <p:txBody>
+          <a:bodyPr wrap="square" rtlCol="0">
+            <a:spAutoFit/>
+          </a:bodyPr>
+          <a:lstStyle/>
+          <a:p>
+            <a:pPr algn="ctr"/>
+            <a:r>
+              <a:rPr lang="en-GB" sz="1050" dirty="0"/>
+              <a:t>User asks a pure or cross breed question</a:t>
+            </a:r>
+          </a:p>
+        </p:txBody>
+      </p:sp>
+      <p:sp>
+        <p:nvSpPr>
+          <p:cNvPr id="82" name="TextBox 81">
+            <a:extLst>
+              <a:ext uri="{FF2B5EF4-FFF2-40B4-BE49-F238E27FC236}">
+                <a16:creationId xmlns:a16="http://schemas.microsoft.com/office/drawing/2014/main" id="{9D38AB62-0370-4EF9-8833-3866EEC6C4E3}"/>
+              </a:ext>
+            </a:extLst>
+          </p:cNvPr>
+          <p:cNvSpPr txBox="1"/>
+          <p:nvPr/>
+        </p:nvSpPr>
+        <p:spPr>
+          <a:xfrm>
+            <a:off x="8246079" y="2430759"/>
+            <a:ext cx="1838135" cy="253916"/>
+          </a:xfrm>
+          <a:prstGeom prst="rect">
+            <a:avLst/>
+          </a:prstGeom>
+          <a:noFill/>
+        </p:spPr>
+        <p:txBody>
+          <a:bodyPr wrap="square" rtlCol="0">
+            <a:spAutoFit/>
+          </a:bodyPr>
+          <a:lstStyle/>
+          <a:p>
+            <a:pPr algn="ctr"/>
+            <a:r>
+              <a:rPr lang="en-GB" sz="1050" dirty="0"/>
+              <a:t>Breed determined via TF-IDF</a:t>
+            </a:r>
+          </a:p>
+        </p:txBody>
+      </p:sp>
+      <p:cxnSp>
+        <p:nvCxnSpPr>
+          <p:cNvPr id="84" name="Straight Arrow Connector 83">
+            <a:extLst>
+              <a:ext uri="{FF2B5EF4-FFF2-40B4-BE49-F238E27FC236}">
+                <a16:creationId xmlns:a16="http://schemas.microsoft.com/office/drawing/2014/main" id="{97794108-C33B-4607-96F6-09A6F8560645}"/>
+              </a:ext>
+            </a:extLst>
+          </p:cNvPr>
+          <p:cNvCxnSpPr>
+            <a:cxnSpLocks/>
+            <a:stCxn id="82" idx="2"/>
+            <a:endCxn id="65" idx="0"/>
+          </p:cNvCxnSpPr>
+          <p:nvPr/>
+        </p:nvCxnSpPr>
+        <p:spPr>
+          <a:xfrm flipH="1">
+            <a:off x="8769120" y="2684675"/>
+            <a:ext cx="396027" cy="767432"/>
+          </a:xfrm>
+          <a:prstGeom prst="straightConnector1">
+            <a:avLst/>
+          </a:prstGeom>
+          <a:ln>
+            <a:solidFill>
+              <a:schemeClr val="accent3">
+                <a:lumMod val="50000"/>
+              </a:schemeClr>
+            </a:solidFill>
+            <a:tailEnd type="triangle"/>
+          </a:ln>
+        </p:spPr>
+        <p:style>
+          <a:lnRef idx="3">
+            <a:schemeClr val="accent1"/>
+          </a:lnRef>
+          <a:fillRef idx="0">
+            <a:schemeClr val="accent1"/>
+          </a:fillRef>
+          <a:effectRef idx="2">
+            <a:schemeClr val="accent1"/>
+          </a:effectRef>
+          <a:fontRef idx="minor">
+            <a:schemeClr val="tx1"/>
+          </a:fontRef>
+        </p:style>
+      </p:cxnSp>
+      <p:sp>
+        <p:nvSpPr>
+          <p:cNvPr id="89" name="TextBox 88">
+            <a:extLst>
+              <a:ext uri="{FF2B5EF4-FFF2-40B4-BE49-F238E27FC236}">
+                <a16:creationId xmlns:a16="http://schemas.microsoft.com/office/drawing/2014/main" id="{CD877C45-39B8-4D3D-81D3-13BB38AD8B79}"/>
+              </a:ext>
+            </a:extLst>
+          </p:cNvPr>
+          <p:cNvSpPr txBox="1"/>
+          <p:nvPr/>
+        </p:nvSpPr>
+        <p:spPr>
+          <a:xfrm>
+            <a:off x="8916620" y="1200798"/>
+            <a:ext cx="1957137" cy="415498"/>
+          </a:xfrm>
+          <a:prstGeom prst="rect">
+            <a:avLst/>
+          </a:prstGeom>
+          <a:noFill/>
+        </p:spPr>
+        <p:txBody>
+          <a:bodyPr wrap="square" rtlCol="0">
+            <a:spAutoFit/>
+          </a:bodyPr>
+          <a:lstStyle/>
+          <a:p>
+            <a:pPr algn="ctr"/>
+            <a:r>
+              <a:rPr lang="en-GB" sz="1050" dirty="0"/>
+              <a:t>AIML gives random joke question</a:t>
+            </a:r>
+          </a:p>
+        </p:txBody>
+      </p:sp>
+      <p:sp>
+        <p:nvSpPr>
+          <p:cNvPr id="90" name="TextBox 89">
+            <a:extLst>
+              <a:ext uri="{FF2B5EF4-FFF2-40B4-BE49-F238E27FC236}">
+                <a16:creationId xmlns:a16="http://schemas.microsoft.com/office/drawing/2014/main" id="{B2944ABF-795B-48FC-A22A-8CC3E663D401}"/>
+              </a:ext>
+            </a:extLst>
+          </p:cNvPr>
+          <p:cNvSpPr txBox="1"/>
+          <p:nvPr/>
+        </p:nvSpPr>
+        <p:spPr>
+          <a:xfrm>
+            <a:off x="10554771" y="809415"/>
+            <a:ext cx="982172" cy="253916"/>
+          </a:xfrm>
+          <a:prstGeom prst="rect">
+            <a:avLst/>
+          </a:prstGeom>
+          <a:noFill/>
+        </p:spPr>
+        <p:txBody>
+          <a:bodyPr wrap="square" rtlCol="0">
+            <a:spAutoFit/>
+          </a:bodyPr>
+          <a:lstStyle/>
+          <a:p>
+            <a:pPr algn="ctr"/>
+            <a:r>
+              <a:rPr lang="en-GB" sz="1050" dirty="0"/>
+              <a:t>User replies</a:t>
+            </a:r>
+          </a:p>
+        </p:txBody>
+      </p:sp>
+      <p:cxnSp>
+        <p:nvCxnSpPr>
+          <p:cNvPr id="123" name="Straight Arrow Connector 122">
+            <a:extLst>
+              <a:ext uri="{FF2B5EF4-FFF2-40B4-BE49-F238E27FC236}">
+                <a16:creationId xmlns:a16="http://schemas.microsoft.com/office/drawing/2014/main" id="{A6527416-2666-4221-ABAF-D485BC7F6AEC}"/>
+              </a:ext>
+            </a:extLst>
+          </p:cNvPr>
+          <p:cNvCxnSpPr>
+            <a:cxnSpLocks/>
+            <a:stCxn id="79" idx="2"/>
+            <a:endCxn id="89" idx="0"/>
+          </p:cNvCxnSpPr>
+          <p:nvPr/>
+        </p:nvCxnSpPr>
+        <p:spPr>
+          <a:xfrm flipH="1">
+            <a:off x="9895189" y="883853"/>
+            <a:ext cx="363410" cy="316945"/>
+          </a:xfrm>
+          <a:prstGeom prst="straightConnector1">
+            <a:avLst/>
+          </a:prstGeom>
+          <a:ln>
+            <a:solidFill>
+              <a:schemeClr val="accent3">
+                <a:lumMod val="50000"/>
+              </a:schemeClr>
+            </a:solidFill>
+            <a:tailEnd type="triangle"/>
+          </a:ln>
+        </p:spPr>
+        <p:style>
+          <a:lnRef idx="3">
+            <a:schemeClr val="accent1"/>
+          </a:lnRef>
+          <a:fillRef idx="0">
+            <a:schemeClr val="accent1"/>
+          </a:fillRef>
+          <a:effectRef idx="2">
+            <a:schemeClr val="accent1"/>
+          </a:effectRef>
+          <a:fontRef idx="minor">
+            <a:schemeClr val="tx1"/>
+          </a:fontRef>
+        </p:style>
+      </p:cxnSp>
+      <p:cxnSp>
+        <p:nvCxnSpPr>
+          <p:cNvPr id="127" name="Straight Arrow Connector 126">
+            <a:extLst>
+              <a:ext uri="{FF2B5EF4-FFF2-40B4-BE49-F238E27FC236}">
+                <a16:creationId xmlns:a16="http://schemas.microsoft.com/office/drawing/2014/main" id="{81067965-FAAF-444F-B818-1B8F32080162}"/>
+              </a:ext>
+            </a:extLst>
+          </p:cNvPr>
+          <p:cNvCxnSpPr>
+            <a:cxnSpLocks/>
+            <a:stCxn id="90" idx="2"/>
+            <a:endCxn id="129" idx="0"/>
+          </p:cNvCxnSpPr>
+          <p:nvPr/>
+        </p:nvCxnSpPr>
+        <p:spPr>
+          <a:xfrm flipH="1">
+            <a:off x="10667746" y="1063331"/>
+            <a:ext cx="378111" cy="793566"/>
+          </a:xfrm>
+          <a:prstGeom prst="straightConnector1">
+            <a:avLst/>
+          </a:prstGeom>
+          <a:ln>
+            <a:solidFill>
+              <a:schemeClr val="accent3">
+                <a:lumMod val="50000"/>
+              </a:schemeClr>
+            </a:solidFill>
+            <a:tailEnd type="triangle"/>
+          </a:ln>
+        </p:spPr>
+        <p:style>
+          <a:lnRef idx="3">
+            <a:schemeClr val="accent1"/>
+          </a:lnRef>
+          <a:fillRef idx="0">
+            <a:schemeClr val="accent1"/>
+          </a:fillRef>
+          <a:effectRef idx="2">
+            <a:schemeClr val="accent1"/>
+          </a:effectRef>
+          <a:fontRef idx="minor">
+            <a:schemeClr val="tx1"/>
+          </a:fontRef>
+        </p:style>
+      </p:cxnSp>
+      <p:sp>
+        <p:nvSpPr>
+          <p:cNvPr id="129" name="TextBox 128">
+            <a:extLst>
+              <a:ext uri="{FF2B5EF4-FFF2-40B4-BE49-F238E27FC236}">
+                <a16:creationId xmlns:a16="http://schemas.microsoft.com/office/drawing/2014/main" id="{BDC45A3E-5601-4C7D-BAAF-2B2C4D833F77}"/>
+              </a:ext>
+            </a:extLst>
+          </p:cNvPr>
+          <p:cNvSpPr txBox="1"/>
+          <p:nvPr/>
+        </p:nvSpPr>
+        <p:spPr>
+          <a:xfrm>
+            <a:off x="9689177" y="1856897"/>
+            <a:ext cx="1957137" cy="253916"/>
+          </a:xfrm>
+          <a:prstGeom prst="rect">
+            <a:avLst/>
+          </a:prstGeom>
+          <a:noFill/>
+        </p:spPr>
+        <p:txBody>
+          <a:bodyPr wrap="square" rtlCol="0">
+            <a:spAutoFit/>
+          </a:bodyPr>
+          <a:lstStyle/>
+          <a:p>
+            <a:pPr algn="ctr"/>
+            <a:r>
+              <a:rPr lang="en-GB" sz="1050" dirty="0"/>
+              <a:t>AIML gives joke answer</a:t>
+            </a:r>
+          </a:p>
+        </p:txBody>
+      </p:sp>
+      <p:cxnSp>
+        <p:nvCxnSpPr>
+          <p:cNvPr id="134" name="Straight Arrow Connector 133">
+            <a:extLst>
+              <a:ext uri="{FF2B5EF4-FFF2-40B4-BE49-F238E27FC236}">
+                <a16:creationId xmlns:a16="http://schemas.microsoft.com/office/drawing/2014/main" id="{969CB223-344B-4C5B-864B-FB834A570270}"/>
+              </a:ext>
+            </a:extLst>
+          </p:cNvPr>
+          <p:cNvCxnSpPr>
+            <a:cxnSpLocks/>
+            <a:stCxn id="89" idx="0"/>
+            <a:endCxn id="90" idx="2"/>
+          </p:cNvCxnSpPr>
+          <p:nvPr/>
+        </p:nvCxnSpPr>
+        <p:spPr>
+          <a:xfrm flipV="1">
+            <a:off x="9895189" y="1063331"/>
+            <a:ext cx="1150668" cy="137467"/>
+          </a:xfrm>
+          <a:prstGeom prst="straightConnector1">
+            <a:avLst/>
+          </a:prstGeom>
+          <a:ln>
+            <a:solidFill>
+              <a:schemeClr val="accent3">
+                <a:lumMod val="50000"/>
+              </a:schemeClr>
+            </a:solidFill>
+            <a:tailEnd type="triangle"/>
+          </a:ln>
+        </p:spPr>
+        <p:style>
+          <a:lnRef idx="3">
+            <a:schemeClr val="accent1"/>
+          </a:lnRef>
+          <a:fillRef idx="0">
+            <a:schemeClr val="accent1"/>
+          </a:fillRef>
+          <a:effectRef idx="2">
+            <a:schemeClr val="accent1"/>
+          </a:effectRef>
+          <a:fontRef idx="minor">
+            <a:schemeClr val="tx1"/>
+          </a:fontRef>
+        </p:style>
+      </p:cxnSp>
+      <p:cxnSp>
+        <p:nvCxnSpPr>
+          <p:cNvPr id="137" name="Straight Arrow Connector 136">
+            <a:extLst>
+              <a:ext uri="{FF2B5EF4-FFF2-40B4-BE49-F238E27FC236}">
+                <a16:creationId xmlns:a16="http://schemas.microsoft.com/office/drawing/2014/main" id="{0A7AE269-9A93-40D7-B9CD-5D64B360501D}"/>
+              </a:ext>
+            </a:extLst>
+          </p:cNvPr>
+          <p:cNvCxnSpPr>
+            <a:cxnSpLocks/>
+            <a:stCxn id="129" idx="2"/>
+            <a:endCxn id="69" idx="0"/>
+          </p:cNvCxnSpPr>
+          <p:nvPr/>
+        </p:nvCxnSpPr>
+        <p:spPr>
+          <a:xfrm flipH="1">
+            <a:off x="9003229" y="2110813"/>
+            <a:ext cx="1664517" cy="3977063"/>
+          </a:xfrm>
+          <a:prstGeom prst="straightConnector1">
+            <a:avLst/>
+          </a:prstGeom>
+          <a:ln>
+            <a:solidFill>
+              <a:schemeClr val="accent3">
+                <a:lumMod val="50000"/>
+              </a:schemeClr>
+            </a:solidFill>
+            <a:tailEnd type="triangle"/>
+          </a:ln>
+        </p:spPr>
+        <p:style>
+          <a:lnRef idx="3">
+            <a:schemeClr val="accent1"/>
+          </a:lnRef>
+          <a:fillRef idx="0">
+            <a:schemeClr val="accent1"/>
+          </a:fillRef>
+          <a:effectRef idx="2">
+            <a:schemeClr val="accent1"/>
+          </a:effectRef>
+          <a:fontRef idx="minor">
+            <a:schemeClr val="tx1"/>
+          </a:fontRef>
+        </p:style>
+      </p:cxnSp>
     </p:spTree>
     <p:extLst>
       <p:ext uri="{BB962C8B-B14F-4D97-AF65-F5344CB8AC3E}">
